--- a/EBGAN.pptx
+++ b/EBGAN.pptx
@@ -11,6 +11,10 @@
     <p:sldId id="259" r:id="rId5"/>
     <p:sldId id="260" r:id="rId6"/>
     <p:sldId id="261" r:id="rId7"/>
+    <p:sldId id="262" r:id="rId8"/>
+    <p:sldId id="263" r:id="rId9"/>
+    <p:sldId id="264" r:id="rId10"/>
+    <p:sldId id="265" r:id="rId11"/>
   </p:sldIdLst>
   <p:sldSz cx="12192000" cy="6858000"/>
   <p:notesSz cx="6858000" cy="9144000"/>
@@ -109,6 +113,11 @@
       </a:defRPr>
     </a:lvl9pPr>
   </p:defaultTextStyle>
+  <p:extLst>
+    <p:ext uri="{EFAFB233-063F-42B5-8137-9DF3F51BA10A}">
+      <p15:sldGuideLst xmlns:p15="http://schemas.microsoft.com/office/powerpoint/2012/main"/>
+    </p:ext>
+  </p:extLst>
 </p:presentation>
 </file>
 
@@ -3398,6 +3407,68 @@
 </p:sld>
 </file>
 
+<file path=ppt/slides/slide10.xml><?xml version="1.0" encoding="utf-8"?>
+<p:sld xmlns:a="http://schemas.openxmlformats.org/drawingml/2006/main" xmlns:r="http://schemas.openxmlformats.org/officeDocument/2006/relationships" xmlns:p="http://schemas.openxmlformats.org/presentationml/2006/main">
+  <p:cSld>
+    <p:spTree>
+      <p:nvGrpSpPr>
+        <p:cNvPr id="1" name=""/>
+        <p:cNvGrpSpPr/>
+        <p:nvPr/>
+      </p:nvGrpSpPr>
+      <p:grpSpPr>
+        <a:xfrm>
+          <a:off x="0" y="0"/>
+          <a:ext cx="0" cy="0"/>
+          <a:chOff x="0" y="0"/>
+          <a:chExt cx="0" cy="0"/>
+        </a:xfrm>
+      </p:grpSpPr>
+      <p:pic>
+        <p:nvPicPr>
+          <p:cNvPr id="4" name="내용 개체 틀 3">
+            <a:extLst>
+              <a:ext uri="{FF2B5EF4-FFF2-40B4-BE49-F238E27FC236}">
+                <a16:creationId xmlns:a16="http://schemas.microsoft.com/office/drawing/2014/main" id="{D0EE742C-791D-4A39-A8F6-0BD0CEC55FAA}"/>
+              </a:ext>
+            </a:extLst>
+          </p:cNvPr>
+          <p:cNvPicPr>
+            <a:picLocks noGrp="1" noChangeAspect="1"/>
+          </p:cNvPicPr>
+          <p:nvPr>
+            <p:ph idx="1"/>
+          </p:nvPr>
+        </p:nvPicPr>
+        <p:blipFill>
+          <a:blip r:embed="rId2"/>
+          <a:stretch>
+            <a:fillRect/>
+          </a:stretch>
+        </p:blipFill>
+        <p:spPr>
+          <a:xfrm>
+            <a:off x="0" y="0"/>
+            <a:ext cx="12194199" cy="6106159"/>
+          </a:xfrm>
+          <a:prstGeom prst="rect">
+            <a:avLst/>
+          </a:prstGeom>
+        </p:spPr>
+      </p:pic>
+    </p:spTree>
+    <p:extLst>
+      <p:ext uri="{BB962C8B-B14F-4D97-AF65-F5344CB8AC3E}">
+        <p14:creationId xmlns:p14="http://schemas.microsoft.com/office/powerpoint/2010/main" val="28458706"/>
+      </p:ext>
+    </p:extLst>
+  </p:cSld>
+  <p:clrMapOvr>
+    <a:masterClrMapping/>
+  </p:clrMapOvr>
+</p:sld>
+</file>
+
 <file path=ppt/slides/slide2.xml><?xml version="1.0" encoding="utf-8"?>
 <p:sld xmlns:a="http://schemas.openxmlformats.org/drawingml/2006/main" xmlns:r="http://schemas.openxmlformats.org/officeDocument/2006/relationships" xmlns:p="http://schemas.openxmlformats.org/presentationml/2006/main">
   <p:cSld>
@@ -4333,7 +4404,7 @@
         <p:spPr>
           <a:xfrm>
             <a:off x="2651760" y="1099557"/>
-            <a:ext cx="1473417" cy="369332"/>
+            <a:ext cx="2076338" cy="646331"/>
           </a:xfrm>
           <a:prstGeom prst="rect">
             <a:avLst/>
@@ -4349,6 +4420,16 @@
             <a:r>
               <a:rPr lang="en-US" altLang="ko-KR" dirty="0"/>
               <a:t>High energy</a:t>
+            </a:r>
+          </a:p>
+          <a:p>
+            <a:r>
+              <a:rPr lang="en-US" altLang="ko-KR" dirty="0" err="1"/>
+              <a:t>Contrative</a:t>
+            </a:r>
+            <a:r>
+              <a:rPr lang="en-US" altLang="ko-KR" dirty="0"/>
+              <a:t> sample</a:t>
             </a:r>
             <a:endParaRPr lang="ko-KR" altLang="en-US" dirty="0"/>
           </a:p>
@@ -4385,6 +4466,42 @@
               <a:rPr lang="en-US" altLang="ko-KR" dirty="0"/>
               <a:t>Spiral data</a:t>
             </a:r>
+          </a:p>
+        </p:txBody>
+      </p:sp>
+      <p:sp>
+        <p:nvSpPr>
+          <p:cNvPr id="2" name="TextBox 1">
+            <a:extLst>
+              <a:ext uri="{FF2B5EF4-FFF2-40B4-BE49-F238E27FC236}">
+                <a16:creationId xmlns:a16="http://schemas.microsoft.com/office/drawing/2014/main" id="{21F4DD6F-6F5E-48F3-8E21-BE0722DD4034}"/>
+              </a:ext>
+            </a:extLst>
+          </p:cNvPr>
+          <p:cNvSpPr txBox="1"/>
+          <p:nvPr/>
+        </p:nvSpPr>
+        <p:spPr>
+          <a:xfrm>
+            <a:off x="8612110" y="1457603"/>
+            <a:ext cx="1567993" cy="369332"/>
+          </a:xfrm>
+          <a:prstGeom prst="rect">
+            <a:avLst/>
+          </a:prstGeom>
+          <a:noFill/>
+        </p:spPr>
+        <p:txBody>
+          <a:bodyPr wrap="none" rtlCol="0">
+            <a:spAutoFit/>
+          </a:bodyPr>
+          <a:lstStyle/>
+          <a:p>
+            <a:r>
+              <a:rPr lang="en-US" altLang="ko-KR" dirty="0"/>
+              <a:t>(more stable)</a:t>
+            </a:r>
+            <a:endParaRPr lang="ko-KR" altLang="en-US" dirty="0"/>
           </a:p>
         </p:txBody>
       </p:sp>
@@ -4983,6 +5100,380 @@
     <p:extLst>
       <p:ext uri="{BB962C8B-B14F-4D97-AF65-F5344CB8AC3E}">
         <p14:creationId xmlns:p14="http://schemas.microsoft.com/office/powerpoint/2010/main" val="951729483"/>
+      </p:ext>
+    </p:extLst>
+  </p:cSld>
+  <p:clrMapOvr>
+    <a:masterClrMapping/>
+  </p:clrMapOvr>
+</p:sld>
+</file>
+
+<file path=ppt/slides/slide7.xml><?xml version="1.0" encoding="utf-8"?>
+<p:sld xmlns:a="http://schemas.openxmlformats.org/drawingml/2006/main" xmlns:r="http://schemas.openxmlformats.org/officeDocument/2006/relationships" xmlns:p="http://schemas.openxmlformats.org/presentationml/2006/main">
+  <p:cSld>
+    <p:spTree>
+      <p:nvGrpSpPr>
+        <p:cNvPr id="1" name=""/>
+        <p:cNvGrpSpPr/>
+        <p:nvPr/>
+      </p:nvGrpSpPr>
+      <p:grpSpPr>
+        <a:xfrm>
+          <a:off x="0" y="0"/>
+          <a:ext cx="0" cy="0"/>
+          <a:chOff x="0" y="0"/>
+          <a:chExt cx="0" cy="0"/>
+        </a:xfrm>
+      </p:grpSpPr>
+      <p:pic>
+        <p:nvPicPr>
+          <p:cNvPr id="8" name="내용 개체 틀 7">
+            <a:extLst>
+              <a:ext uri="{FF2B5EF4-FFF2-40B4-BE49-F238E27FC236}">
+                <a16:creationId xmlns:a16="http://schemas.microsoft.com/office/drawing/2014/main" id="{BE8E6947-F0B7-4E77-BC52-90945CC147A3}"/>
+              </a:ext>
+            </a:extLst>
+          </p:cNvPr>
+          <p:cNvPicPr>
+            <a:picLocks noGrp="1" noChangeAspect="1"/>
+          </p:cNvPicPr>
+          <p:nvPr>
+            <p:ph idx="1"/>
+          </p:nvPr>
+        </p:nvPicPr>
+        <p:blipFill>
+          <a:blip r:embed="rId2"/>
+          <a:stretch>
+            <a:fillRect/>
+          </a:stretch>
+        </p:blipFill>
+        <p:spPr>
+          <a:xfrm>
+            <a:off x="0" y="-52093"/>
+            <a:ext cx="11598460" cy="6910093"/>
+          </a:xfrm>
+          <a:prstGeom prst="rect">
+            <a:avLst/>
+          </a:prstGeom>
+        </p:spPr>
+      </p:pic>
+      <p:sp>
+        <p:nvSpPr>
+          <p:cNvPr id="7" name="직사각형 6">
+            <a:extLst>
+              <a:ext uri="{FF2B5EF4-FFF2-40B4-BE49-F238E27FC236}">
+                <a16:creationId xmlns:a16="http://schemas.microsoft.com/office/drawing/2014/main" id="{FB910DB8-062B-46F1-8541-33114B0656BF}"/>
+              </a:ext>
+            </a:extLst>
+          </p:cNvPr>
+          <p:cNvSpPr/>
+          <p:nvPr/>
+        </p:nvSpPr>
+        <p:spPr>
+          <a:xfrm>
+            <a:off x="7548880" y="6211669"/>
+            <a:ext cx="6096000" cy="646331"/>
+          </a:xfrm>
+          <a:prstGeom prst="rect">
+            <a:avLst/>
+          </a:prstGeom>
+        </p:spPr>
+        <p:txBody>
+          <a:bodyPr>
+            <a:spAutoFit/>
+          </a:bodyPr>
+          <a:lstStyle/>
+          <a:p>
+            <a:r>
+              <a:rPr lang="ko-KR" altLang="en-US" dirty="0"/>
+              <a:t>https://github.com/cameronfabbri/EBGAN-Tensorflow/blob/master/architecture.py</a:t>
+            </a:r>
+          </a:p>
+        </p:txBody>
+      </p:sp>
+      <p:cxnSp>
+        <p:nvCxnSpPr>
+          <p:cNvPr id="10" name="직선 화살표 연결선 9">
+            <a:extLst>
+              <a:ext uri="{FF2B5EF4-FFF2-40B4-BE49-F238E27FC236}">
+                <a16:creationId xmlns:a16="http://schemas.microsoft.com/office/drawing/2014/main" id="{DDFCFC6D-D878-4CD5-962E-096288902699}"/>
+              </a:ext>
+            </a:extLst>
+          </p:cNvPr>
+          <p:cNvCxnSpPr>
+            <a:cxnSpLocks/>
+          </p:cNvCxnSpPr>
+          <p:nvPr/>
+        </p:nvCxnSpPr>
+        <p:spPr>
+          <a:xfrm flipV="1">
+            <a:off x="2743200" y="467360"/>
+            <a:ext cx="0" cy="335280"/>
+          </a:xfrm>
+          <a:prstGeom prst="straightConnector1">
+            <a:avLst/>
+          </a:prstGeom>
+          <a:ln>
+            <a:tailEnd type="triangle"/>
+          </a:ln>
+        </p:spPr>
+        <p:style>
+          <a:lnRef idx="1">
+            <a:schemeClr val="accent1"/>
+          </a:lnRef>
+          <a:fillRef idx="0">
+            <a:schemeClr val="accent1"/>
+          </a:fillRef>
+          <a:effectRef idx="0">
+            <a:schemeClr val="accent1"/>
+          </a:effectRef>
+          <a:fontRef idx="minor">
+            <a:schemeClr val="tx1"/>
+          </a:fontRef>
+        </p:style>
+      </p:cxnSp>
+      <p:sp>
+        <p:nvSpPr>
+          <p:cNvPr id="11" name="TextBox 10">
+            <a:extLst>
+              <a:ext uri="{FF2B5EF4-FFF2-40B4-BE49-F238E27FC236}">
+                <a16:creationId xmlns:a16="http://schemas.microsoft.com/office/drawing/2014/main" id="{009A313C-4932-4F28-AE68-A0B66AF46F78}"/>
+              </a:ext>
+            </a:extLst>
+          </p:cNvPr>
+          <p:cNvSpPr txBox="1"/>
+          <p:nvPr/>
+        </p:nvSpPr>
+        <p:spPr>
+          <a:xfrm>
+            <a:off x="2465733" y="98028"/>
+            <a:ext cx="724878" cy="369332"/>
+          </a:xfrm>
+          <a:prstGeom prst="rect">
+            <a:avLst/>
+          </a:prstGeom>
+          <a:noFill/>
+        </p:spPr>
+        <p:txBody>
+          <a:bodyPr wrap="none" rtlCol="0">
+            <a:spAutoFit/>
+          </a:bodyPr>
+          <a:lstStyle/>
+          <a:p>
+            <a:r>
+              <a:rPr lang="en-US" altLang="ko-KR" dirty="0"/>
+              <a:t>input</a:t>
+            </a:r>
+            <a:endParaRPr lang="ko-KR" altLang="en-US" dirty="0"/>
+          </a:p>
+        </p:txBody>
+      </p:sp>
+      <p:cxnSp>
+        <p:nvCxnSpPr>
+          <p:cNvPr id="13" name="직선 화살표 연결선 12">
+            <a:extLst>
+              <a:ext uri="{FF2B5EF4-FFF2-40B4-BE49-F238E27FC236}">
+                <a16:creationId xmlns:a16="http://schemas.microsoft.com/office/drawing/2014/main" id="{1860DFCB-BE4D-4DF1-BD47-175C0AF47052}"/>
+              </a:ext>
+            </a:extLst>
+          </p:cNvPr>
+          <p:cNvCxnSpPr>
+            <a:cxnSpLocks/>
+          </p:cNvCxnSpPr>
+          <p:nvPr/>
+        </p:nvCxnSpPr>
+        <p:spPr>
+          <a:xfrm flipV="1">
+            <a:off x="3566160" y="467360"/>
+            <a:ext cx="0" cy="335280"/>
+          </a:xfrm>
+          <a:prstGeom prst="straightConnector1">
+            <a:avLst/>
+          </a:prstGeom>
+          <a:ln>
+            <a:tailEnd type="triangle"/>
+          </a:ln>
+        </p:spPr>
+        <p:style>
+          <a:lnRef idx="1">
+            <a:schemeClr val="accent1"/>
+          </a:lnRef>
+          <a:fillRef idx="0">
+            <a:schemeClr val="accent1"/>
+          </a:fillRef>
+          <a:effectRef idx="0">
+            <a:schemeClr val="accent1"/>
+          </a:effectRef>
+          <a:fontRef idx="minor">
+            <a:schemeClr val="tx1"/>
+          </a:fontRef>
+        </p:style>
+      </p:cxnSp>
+      <p:sp>
+        <p:nvSpPr>
+          <p:cNvPr id="14" name="TextBox 13">
+            <a:extLst>
+              <a:ext uri="{FF2B5EF4-FFF2-40B4-BE49-F238E27FC236}">
+                <a16:creationId xmlns:a16="http://schemas.microsoft.com/office/drawing/2014/main" id="{550E801C-96EC-4AA8-A2EA-6456612142BA}"/>
+              </a:ext>
+            </a:extLst>
+          </p:cNvPr>
+          <p:cNvSpPr txBox="1"/>
+          <p:nvPr/>
+        </p:nvSpPr>
+        <p:spPr>
+          <a:xfrm>
+            <a:off x="3403972" y="98028"/>
+            <a:ext cx="886781" cy="369332"/>
+          </a:xfrm>
+          <a:prstGeom prst="rect">
+            <a:avLst/>
+          </a:prstGeom>
+          <a:noFill/>
+        </p:spPr>
+        <p:txBody>
+          <a:bodyPr wrap="none" rtlCol="0">
+            <a:spAutoFit/>
+          </a:bodyPr>
+          <a:lstStyle/>
+          <a:p>
+            <a:r>
+              <a:rPr lang="en-US" altLang="ko-KR" dirty="0"/>
+              <a:t>output</a:t>
+            </a:r>
+            <a:endParaRPr lang="ko-KR" altLang="en-US" dirty="0"/>
+          </a:p>
+        </p:txBody>
+      </p:sp>
+    </p:spTree>
+    <p:extLst>
+      <p:ext uri="{BB962C8B-B14F-4D97-AF65-F5344CB8AC3E}">
+        <p14:creationId xmlns:p14="http://schemas.microsoft.com/office/powerpoint/2010/main" val="2936988534"/>
+      </p:ext>
+    </p:extLst>
+  </p:cSld>
+  <p:clrMapOvr>
+    <a:masterClrMapping/>
+  </p:clrMapOvr>
+</p:sld>
+</file>
+
+<file path=ppt/slides/slide8.xml><?xml version="1.0" encoding="utf-8"?>
+<p:sld xmlns:a="http://schemas.openxmlformats.org/drawingml/2006/main" xmlns:r="http://schemas.openxmlformats.org/officeDocument/2006/relationships" xmlns:p="http://schemas.openxmlformats.org/presentationml/2006/main">
+  <p:cSld>
+    <p:spTree>
+      <p:nvGrpSpPr>
+        <p:cNvPr id="1" name=""/>
+        <p:cNvGrpSpPr/>
+        <p:nvPr/>
+      </p:nvGrpSpPr>
+      <p:grpSpPr>
+        <a:xfrm>
+          <a:off x="0" y="0"/>
+          <a:ext cx="0" cy="0"/>
+          <a:chOff x="0" y="0"/>
+          <a:chExt cx="0" cy="0"/>
+        </a:xfrm>
+      </p:grpSpPr>
+      <p:pic>
+        <p:nvPicPr>
+          <p:cNvPr id="4" name="내용 개체 틀 3">
+            <a:extLst>
+              <a:ext uri="{FF2B5EF4-FFF2-40B4-BE49-F238E27FC236}">
+                <a16:creationId xmlns:a16="http://schemas.microsoft.com/office/drawing/2014/main" id="{1225FA6F-D9D0-41BF-9FA6-7FAD82EEAC29}"/>
+              </a:ext>
+            </a:extLst>
+          </p:cNvPr>
+          <p:cNvPicPr>
+            <a:picLocks noGrp="1" noChangeAspect="1"/>
+          </p:cNvPicPr>
+          <p:nvPr>
+            <p:ph idx="1"/>
+          </p:nvPr>
+        </p:nvPicPr>
+        <p:blipFill>
+          <a:blip r:embed="rId2"/>
+          <a:stretch>
+            <a:fillRect/>
+          </a:stretch>
+        </p:blipFill>
+        <p:spPr>
+          <a:xfrm>
+            <a:off x="1498" y="2213551"/>
+            <a:ext cx="12190502" cy="2430897"/>
+          </a:xfrm>
+          <a:prstGeom prst="rect">
+            <a:avLst/>
+          </a:prstGeom>
+        </p:spPr>
+      </p:pic>
+    </p:spTree>
+    <p:extLst>
+      <p:ext uri="{BB962C8B-B14F-4D97-AF65-F5344CB8AC3E}">
+        <p14:creationId xmlns:p14="http://schemas.microsoft.com/office/powerpoint/2010/main" val="3011015985"/>
+      </p:ext>
+    </p:extLst>
+  </p:cSld>
+  <p:clrMapOvr>
+    <a:masterClrMapping/>
+  </p:clrMapOvr>
+</p:sld>
+</file>
+
+<file path=ppt/slides/slide9.xml><?xml version="1.0" encoding="utf-8"?>
+<p:sld xmlns:a="http://schemas.openxmlformats.org/drawingml/2006/main" xmlns:r="http://schemas.openxmlformats.org/officeDocument/2006/relationships" xmlns:p="http://schemas.openxmlformats.org/presentationml/2006/main">
+  <p:cSld>
+    <p:spTree>
+      <p:nvGrpSpPr>
+        <p:cNvPr id="1" name=""/>
+        <p:cNvGrpSpPr/>
+        <p:nvPr/>
+      </p:nvGrpSpPr>
+      <p:grpSpPr>
+        <a:xfrm>
+          <a:off x="0" y="0"/>
+          <a:ext cx="0" cy="0"/>
+          <a:chOff x="0" y="0"/>
+          <a:chExt cx="0" cy="0"/>
+        </a:xfrm>
+      </p:grpSpPr>
+      <p:pic>
+        <p:nvPicPr>
+          <p:cNvPr id="4" name="내용 개체 틀 3">
+            <a:extLst>
+              <a:ext uri="{FF2B5EF4-FFF2-40B4-BE49-F238E27FC236}">
+                <a16:creationId xmlns:a16="http://schemas.microsoft.com/office/drawing/2014/main" id="{06CA1F12-8E91-4CA7-9FF8-FD24F8F54930}"/>
+              </a:ext>
+            </a:extLst>
+          </p:cNvPr>
+          <p:cNvPicPr>
+            <a:picLocks noGrp="1" noChangeAspect="1"/>
+          </p:cNvPicPr>
+          <p:nvPr>
+            <p:ph idx="1"/>
+          </p:nvPr>
+        </p:nvPicPr>
+        <p:blipFill>
+          <a:blip r:embed="rId2"/>
+          <a:stretch>
+            <a:fillRect/>
+          </a:stretch>
+        </p:blipFill>
+        <p:spPr>
+          <a:xfrm>
+            <a:off x="0" y="0"/>
+            <a:ext cx="12173526" cy="6705600"/>
+          </a:xfrm>
+          <a:prstGeom prst="rect">
+            <a:avLst/>
+          </a:prstGeom>
+        </p:spPr>
+      </p:pic>
+    </p:spTree>
+    <p:extLst>
+      <p:ext uri="{BB962C8B-B14F-4D97-AF65-F5344CB8AC3E}">
+        <p14:creationId xmlns:p14="http://schemas.microsoft.com/office/powerpoint/2010/main" val="1476099150"/>
       </p:ext>
     </p:extLst>
   </p:cSld>

--- a/EBGAN.pptx
+++ b/EBGAN.pptx
@@ -11,10 +11,9 @@
     <p:sldId id="259" r:id="rId5"/>
     <p:sldId id="260" r:id="rId6"/>
     <p:sldId id="261" r:id="rId7"/>
-    <p:sldId id="262" r:id="rId8"/>
+    <p:sldId id="266" r:id="rId8"/>
     <p:sldId id="263" r:id="rId9"/>
-    <p:sldId id="264" r:id="rId10"/>
-    <p:sldId id="265" r:id="rId11"/>
+    <p:sldId id="267" r:id="rId10"/>
   </p:sldIdLst>
   <p:sldSz cx="12192000" cy="6858000"/>
   <p:notesSz cx="6858000" cy="9144000"/>
@@ -268,7 +267,7 @@
           <a:p>
             <a:fld id="{92152970-6EA0-4F94-904F-2C8D1FEF8FC7}" type="datetimeFigureOut">
               <a:rPr lang="ko-KR" altLang="en-US" smtClean="0"/>
-              <a:t>2018-11-21</a:t>
+              <a:t>2018-11-30</a:t>
             </a:fld>
             <a:endParaRPr lang="ko-KR" altLang="en-US"/>
           </a:p>
@@ -466,7 +465,7 @@
           <a:p>
             <a:fld id="{92152970-6EA0-4F94-904F-2C8D1FEF8FC7}" type="datetimeFigureOut">
               <a:rPr lang="ko-KR" altLang="en-US" smtClean="0"/>
-              <a:t>2018-11-21</a:t>
+              <a:t>2018-11-30</a:t>
             </a:fld>
             <a:endParaRPr lang="ko-KR" altLang="en-US"/>
           </a:p>
@@ -674,7 +673,7 @@
           <a:p>
             <a:fld id="{92152970-6EA0-4F94-904F-2C8D1FEF8FC7}" type="datetimeFigureOut">
               <a:rPr lang="ko-KR" altLang="en-US" smtClean="0"/>
-              <a:t>2018-11-21</a:t>
+              <a:t>2018-11-30</a:t>
             </a:fld>
             <a:endParaRPr lang="ko-KR" altLang="en-US"/>
           </a:p>
@@ -872,7 +871,7 @@
           <a:p>
             <a:fld id="{92152970-6EA0-4F94-904F-2C8D1FEF8FC7}" type="datetimeFigureOut">
               <a:rPr lang="ko-KR" altLang="en-US" smtClean="0"/>
-              <a:t>2018-11-21</a:t>
+              <a:t>2018-11-30</a:t>
             </a:fld>
             <a:endParaRPr lang="ko-KR" altLang="en-US"/>
           </a:p>
@@ -1147,7 +1146,7 @@
           <a:p>
             <a:fld id="{92152970-6EA0-4F94-904F-2C8D1FEF8FC7}" type="datetimeFigureOut">
               <a:rPr lang="ko-KR" altLang="en-US" smtClean="0"/>
-              <a:t>2018-11-21</a:t>
+              <a:t>2018-11-30</a:t>
             </a:fld>
             <a:endParaRPr lang="ko-KR" altLang="en-US"/>
           </a:p>
@@ -1412,7 +1411,7 @@
           <a:p>
             <a:fld id="{92152970-6EA0-4F94-904F-2C8D1FEF8FC7}" type="datetimeFigureOut">
               <a:rPr lang="ko-KR" altLang="en-US" smtClean="0"/>
-              <a:t>2018-11-21</a:t>
+              <a:t>2018-11-30</a:t>
             </a:fld>
             <a:endParaRPr lang="ko-KR" altLang="en-US"/>
           </a:p>
@@ -1824,7 +1823,7 @@
           <a:p>
             <a:fld id="{92152970-6EA0-4F94-904F-2C8D1FEF8FC7}" type="datetimeFigureOut">
               <a:rPr lang="ko-KR" altLang="en-US" smtClean="0"/>
-              <a:t>2018-11-21</a:t>
+              <a:t>2018-11-30</a:t>
             </a:fld>
             <a:endParaRPr lang="ko-KR" altLang="en-US"/>
           </a:p>
@@ -1965,7 +1964,7 @@
           <a:p>
             <a:fld id="{92152970-6EA0-4F94-904F-2C8D1FEF8FC7}" type="datetimeFigureOut">
               <a:rPr lang="ko-KR" altLang="en-US" smtClean="0"/>
-              <a:t>2018-11-21</a:t>
+              <a:t>2018-11-30</a:t>
             </a:fld>
             <a:endParaRPr lang="ko-KR" altLang="en-US"/>
           </a:p>
@@ -2078,7 +2077,7 @@
           <a:p>
             <a:fld id="{92152970-6EA0-4F94-904F-2C8D1FEF8FC7}" type="datetimeFigureOut">
               <a:rPr lang="ko-KR" altLang="en-US" smtClean="0"/>
-              <a:t>2018-11-21</a:t>
+              <a:t>2018-11-30</a:t>
             </a:fld>
             <a:endParaRPr lang="ko-KR" altLang="en-US"/>
           </a:p>
@@ -2389,7 +2388,7 @@
           <a:p>
             <a:fld id="{92152970-6EA0-4F94-904F-2C8D1FEF8FC7}" type="datetimeFigureOut">
               <a:rPr lang="ko-KR" altLang="en-US" smtClean="0"/>
-              <a:t>2018-11-21</a:t>
+              <a:t>2018-11-30</a:t>
             </a:fld>
             <a:endParaRPr lang="ko-KR" altLang="en-US"/>
           </a:p>
@@ -2677,7 +2676,7 @@
           <a:p>
             <a:fld id="{92152970-6EA0-4F94-904F-2C8D1FEF8FC7}" type="datetimeFigureOut">
               <a:rPr lang="ko-KR" altLang="en-US" smtClean="0"/>
-              <a:t>2018-11-21</a:t>
+              <a:t>2018-11-30</a:t>
             </a:fld>
             <a:endParaRPr lang="ko-KR" altLang="en-US"/>
           </a:p>
@@ -2918,7 +2917,7 @@
           <a:p>
             <a:fld id="{92152970-6EA0-4F94-904F-2C8D1FEF8FC7}" type="datetimeFigureOut">
               <a:rPr lang="ko-KR" altLang="en-US" smtClean="0"/>
-              <a:t>2018-11-21</a:t>
+              <a:t>2018-11-30</a:t>
             </a:fld>
             <a:endParaRPr lang="ko-KR" altLang="en-US"/>
           </a:p>
@@ -3407,68 +3406,6 @@
 </p:sld>
 </file>
 
-<file path=ppt/slides/slide10.xml><?xml version="1.0" encoding="utf-8"?>
-<p:sld xmlns:a="http://schemas.openxmlformats.org/drawingml/2006/main" xmlns:r="http://schemas.openxmlformats.org/officeDocument/2006/relationships" xmlns:p="http://schemas.openxmlformats.org/presentationml/2006/main">
-  <p:cSld>
-    <p:spTree>
-      <p:nvGrpSpPr>
-        <p:cNvPr id="1" name=""/>
-        <p:cNvGrpSpPr/>
-        <p:nvPr/>
-      </p:nvGrpSpPr>
-      <p:grpSpPr>
-        <a:xfrm>
-          <a:off x="0" y="0"/>
-          <a:ext cx="0" cy="0"/>
-          <a:chOff x="0" y="0"/>
-          <a:chExt cx="0" cy="0"/>
-        </a:xfrm>
-      </p:grpSpPr>
-      <p:pic>
-        <p:nvPicPr>
-          <p:cNvPr id="4" name="내용 개체 틀 3">
-            <a:extLst>
-              <a:ext uri="{FF2B5EF4-FFF2-40B4-BE49-F238E27FC236}">
-                <a16:creationId xmlns:a16="http://schemas.microsoft.com/office/drawing/2014/main" id="{D0EE742C-791D-4A39-A8F6-0BD0CEC55FAA}"/>
-              </a:ext>
-            </a:extLst>
-          </p:cNvPr>
-          <p:cNvPicPr>
-            <a:picLocks noGrp="1" noChangeAspect="1"/>
-          </p:cNvPicPr>
-          <p:nvPr>
-            <p:ph idx="1"/>
-          </p:nvPr>
-        </p:nvPicPr>
-        <p:blipFill>
-          <a:blip r:embed="rId2"/>
-          <a:stretch>
-            <a:fillRect/>
-          </a:stretch>
-        </p:blipFill>
-        <p:spPr>
-          <a:xfrm>
-            <a:off x="0" y="0"/>
-            <a:ext cx="12194199" cy="6106159"/>
-          </a:xfrm>
-          <a:prstGeom prst="rect">
-            <a:avLst/>
-          </a:prstGeom>
-        </p:spPr>
-      </p:pic>
-    </p:spTree>
-    <p:extLst>
-      <p:ext uri="{BB962C8B-B14F-4D97-AF65-F5344CB8AC3E}">
-        <p14:creationId xmlns:p14="http://schemas.microsoft.com/office/powerpoint/2010/main" val="28458706"/>
-      </p:ext>
-    </p:extLst>
-  </p:cSld>
-  <p:clrMapOvr>
-    <a:masterClrMapping/>
-  </p:clrMapOvr>
-</p:sld>
-</file>
-
 <file path=ppt/slides/slide2.xml><?xml version="1.0" encoding="utf-8"?>
 <p:sld xmlns:a="http://schemas.openxmlformats.org/drawingml/2006/main" xmlns:r="http://schemas.openxmlformats.org/officeDocument/2006/relationships" xmlns:p="http://schemas.openxmlformats.org/presentationml/2006/main">
   <p:cSld>
@@ -5126,12 +5063,41 @@
           <a:chExt cx="0" cy="0"/>
         </a:xfrm>
       </p:grpSpPr>
+      <p:sp>
+        <p:nvSpPr>
+          <p:cNvPr id="2" name="제목 1">
+            <a:extLst>
+              <a:ext uri="{FF2B5EF4-FFF2-40B4-BE49-F238E27FC236}">
+                <a16:creationId xmlns:a16="http://schemas.microsoft.com/office/drawing/2014/main" id="{CE2D6267-8BDE-435F-B30A-BDB4079E7EB4}"/>
+              </a:ext>
+            </a:extLst>
+          </p:cNvPr>
+          <p:cNvSpPr>
+            <a:spLocks noGrp="1"/>
+          </p:cNvSpPr>
+          <p:nvPr>
+            <p:ph type="title"/>
+          </p:nvPr>
+        </p:nvSpPr>
+        <p:spPr/>
+        <p:txBody>
+          <a:bodyPr/>
+          <a:lstStyle/>
+          <a:p>
+            <a:r>
+              <a:rPr lang="en-US" altLang="ko-KR" dirty="0"/>
+              <a:t>margin loss</a:t>
+            </a:r>
+            <a:endParaRPr lang="ko-KR" altLang="en-US" dirty="0"/>
+          </a:p>
+        </p:txBody>
+      </p:sp>
       <p:pic>
         <p:nvPicPr>
-          <p:cNvPr id="8" name="내용 개체 틀 7">
-            <a:extLst>
-              <a:ext uri="{FF2B5EF4-FFF2-40B4-BE49-F238E27FC236}">
-                <a16:creationId xmlns:a16="http://schemas.microsoft.com/office/drawing/2014/main" id="{BE8E6947-F0B7-4E77-BC52-90945CC147A3}"/>
+          <p:cNvPr id="4" name="내용 개체 틀 3">
+            <a:extLst>
+              <a:ext uri="{FF2B5EF4-FFF2-40B4-BE49-F238E27FC236}">
+                <a16:creationId xmlns:a16="http://schemas.microsoft.com/office/drawing/2014/main" id="{518DE4A7-B632-4A5F-83E5-1C5C2B2177E2}"/>
               </a:ext>
             </a:extLst>
           </p:cNvPr>
@@ -5150,66 +5116,30 @@
         </p:blipFill>
         <p:spPr>
           <a:xfrm>
-            <a:off x="0" y="-52093"/>
-            <a:ext cx="11598460" cy="6910093"/>
+            <a:off x="771525" y="2824162"/>
+            <a:ext cx="5324475" cy="1209675"/>
           </a:xfrm>
           <a:prstGeom prst="rect">
             <a:avLst/>
           </a:prstGeom>
         </p:spPr>
       </p:pic>
-      <p:sp>
-        <p:nvSpPr>
-          <p:cNvPr id="7" name="직사각형 6">
-            <a:extLst>
-              <a:ext uri="{FF2B5EF4-FFF2-40B4-BE49-F238E27FC236}">
-                <a16:creationId xmlns:a16="http://schemas.microsoft.com/office/drawing/2014/main" id="{FB910DB8-062B-46F1-8541-33114B0656BF}"/>
-              </a:ext>
-            </a:extLst>
-          </p:cNvPr>
-          <p:cNvSpPr/>
-          <p:nvPr/>
-        </p:nvSpPr>
-        <p:spPr>
-          <a:xfrm>
-            <a:off x="7548880" y="6211669"/>
-            <a:ext cx="6096000" cy="646331"/>
-          </a:xfrm>
-          <a:prstGeom prst="rect">
-            <a:avLst/>
-          </a:prstGeom>
-        </p:spPr>
-        <p:txBody>
-          <a:bodyPr>
-            <a:spAutoFit/>
-          </a:bodyPr>
-          <a:lstStyle/>
-          <a:p>
-            <a:r>
-              <a:rPr lang="ko-KR" altLang="en-US" dirty="0"/>
-              <a:t>https://github.com/cameronfabbri/EBGAN-Tensorflow/blob/master/architecture.py</a:t>
-            </a:r>
-          </a:p>
-        </p:txBody>
-      </p:sp>
       <p:cxnSp>
         <p:nvCxnSpPr>
-          <p:cNvPr id="10" name="직선 화살표 연결선 9">
-            <a:extLst>
-              <a:ext uri="{FF2B5EF4-FFF2-40B4-BE49-F238E27FC236}">
-                <a16:creationId xmlns:a16="http://schemas.microsoft.com/office/drawing/2014/main" id="{DDFCFC6D-D878-4CD5-962E-096288902699}"/>
-              </a:ext>
-            </a:extLst>
-          </p:cNvPr>
-          <p:cNvCxnSpPr>
-            <a:cxnSpLocks/>
-          </p:cNvCxnSpPr>
+          <p:cNvPr id="6" name="직선 화살표 연결선 5">
+            <a:extLst>
+              <a:ext uri="{FF2B5EF4-FFF2-40B4-BE49-F238E27FC236}">
+                <a16:creationId xmlns:a16="http://schemas.microsoft.com/office/drawing/2014/main" id="{187899E3-8264-4E4E-8F10-3D8A227A21CA}"/>
+              </a:ext>
+            </a:extLst>
+          </p:cNvPr>
+          <p:cNvCxnSpPr/>
           <p:nvPr/>
         </p:nvCxnSpPr>
         <p:spPr>
           <a:xfrm flipV="1">
-            <a:off x="2743200" y="467360"/>
-            <a:ext cx="0" cy="335280"/>
+            <a:off x="3962400" y="2042160"/>
+            <a:ext cx="1483360" cy="985520"/>
           </a:xfrm>
           <a:prstGeom prst="straightConnector1">
             <a:avLst/>
@@ -5235,10 +5165,10 @@
       </p:cxnSp>
       <p:sp>
         <p:nvSpPr>
-          <p:cNvPr id="11" name="TextBox 10">
-            <a:extLst>
-              <a:ext uri="{FF2B5EF4-FFF2-40B4-BE49-F238E27FC236}">
-                <a16:creationId xmlns:a16="http://schemas.microsoft.com/office/drawing/2014/main" id="{009A313C-4932-4F28-AE68-A0B66AF46F78}"/>
+          <p:cNvPr id="7" name="TextBox 6">
+            <a:extLst>
+              <a:ext uri="{FF2B5EF4-FFF2-40B4-BE49-F238E27FC236}">
+                <a16:creationId xmlns:a16="http://schemas.microsoft.com/office/drawing/2014/main" id="{BE799A07-1806-4846-B6FB-23E2FA898CDA}"/>
               </a:ext>
             </a:extLst>
           </p:cNvPr>
@@ -5247,8 +5177,8 @@
         </p:nvSpPr>
         <p:spPr>
           <a:xfrm>
-            <a:off x="2465733" y="98028"/>
-            <a:ext cx="724878" cy="369332"/>
+            <a:off x="5659120" y="1764665"/>
+            <a:ext cx="1503873" cy="369332"/>
           </a:xfrm>
           <a:prstGeom prst="rect">
             <a:avLst/>
@@ -5263,59 +5193,56 @@
           <a:p>
             <a:r>
               <a:rPr lang="en-US" altLang="ko-KR" dirty="0"/>
-              <a:t>input</a:t>
+              <a:t>Int</a:t>
+            </a:r>
+            <a:r>
+              <a:rPr lang="ko-KR" altLang="en-US" dirty="0"/>
+              <a:t>값 </a:t>
+            </a:r>
+            <a:r>
+              <a:rPr lang="en-US" altLang="ko-KR" dirty="0"/>
+              <a:t>margin</a:t>
             </a:r>
             <a:endParaRPr lang="ko-KR" altLang="en-US" dirty="0"/>
           </a:p>
         </p:txBody>
       </p:sp>
-      <p:cxnSp>
-        <p:nvCxnSpPr>
-          <p:cNvPr id="13" name="직선 화살표 연결선 12">
-            <a:extLst>
-              <a:ext uri="{FF2B5EF4-FFF2-40B4-BE49-F238E27FC236}">
-                <a16:creationId xmlns:a16="http://schemas.microsoft.com/office/drawing/2014/main" id="{1860DFCB-BE4D-4DF1-BD47-175C0AF47052}"/>
-              </a:ext>
-            </a:extLst>
-          </p:cNvPr>
-          <p:cNvCxnSpPr>
-            <a:cxnSpLocks/>
-          </p:cNvCxnSpPr>
+      <p:pic>
+        <p:nvPicPr>
+          <p:cNvPr id="8" name="그림 7">
+            <a:extLst>
+              <a:ext uri="{FF2B5EF4-FFF2-40B4-BE49-F238E27FC236}">
+                <a16:creationId xmlns:a16="http://schemas.microsoft.com/office/drawing/2014/main" id="{DDE2C71C-0425-44A4-BD9E-A731A8A62681}"/>
+              </a:ext>
+            </a:extLst>
+          </p:cNvPr>
+          <p:cNvPicPr>
+            <a:picLocks noChangeAspect="1"/>
+          </p:cNvPicPr>
           <p:nvPr/>
-        </p:nvCxnSpPr>
+        </p:nvPicPr>
+        <p:blipFill>
+          <a:blip r:embed="rId3"/>
+          <a:stretch>
+            <a:fillRect/>
+          </a:stretch>
+        </p:blipFill>
         <p:spPr>
-          <a:xfrm flipV="1">
-            <a:off x="3566160" y="467360"/>
-            <a:ext cx="0" cy="335280"/>
+          <a:xfrm>
+            <a:off x="995997" y="4033837"/>
+            <a:ext cx="2295525" cy="523875"/>
           </a:xfrm>
-          <a:prstGeom prst="straightConnector1">
+          <a:prstGeom prst="rect">
             <a:avLst/>
           </a:prstGeom>
-          <a:ln>
-            <a:tailEnd type="triangle"/>
-          </a:ln>
         </p:spPr>
-        <p:style>
-          <a:lnRef idx="1">
-            <a:schemeClr val="accent1"/>
-          </a:lnRef>
-          <a:fillRef idx="0">
-            <a:schemeClr val="accent1"/>
-          </a:fillRef>
-          <a:effectRef idx="0">
-            <a:schemeClr val="accent1"/>
-          </a:effectRef>
-          <a:fontRef idx="minor">
-            <a:schemeClr val="tx1"/>
-          </a:fontRef>
-        </p:style>
-      </p:cxnSp>
-      <p:sp>
-        <p:nvSpPr>
-          <p:cNvPr id="14" name="TextBox 13">
-            <a:extLst>
-              <a:ext uri="{FF2B5EF4-FFF2-40B4-BE49-F238E27FC236}">
-                <a16:creationId xmlns:a16="http://schemas.microsoft.com/office/drawing/2014/main" id="{550E801C-96EC-4AA8-A2EA-6456612142BA}"/>
+      </p:pic>
+      <p:sp>
+        <p:nvSpPr>
+          <p:cNvPr id="9" name="TextBox 8">
+            <a:extLst>
+              <a:ext uri="{FF2B5EF4-FFF2-40B4-BE49-F238E27FC236}">
+                <a16:creationId xmlns:a16="http://schemas.microsoft.com/office/drawing/2014/main" id="{B45914AF-15AF-42FF-B93E-CCD09AE69ACA}"/>
               </a:ext>
             </a:extLst>
           </p:cNvPr>
@@ -5324,8 +5251,8 @@
         </p:nvSpPr>
         <p:spPr>
           <a:xfrm>
-            <a:off x="3403972" y="98028"/>
-            <a:ext cx="886781" cy="369332"/>
+            <a:off x="6096000" y="3019106"/>
+            <a:ext cx="1616148" cy="369332"/>
           </a:xfrm>
           <a:prstGeom prst="rect">
             <a:avLst/>
@@ -5340,7 +5267,15 @@
           <a:p>
             <a:r>
               <a:rPr lang="en-US" altLang="ko-KR" dirty="0"/>
-              <a:t>output</a:t>
+              <a:t>(m</a:t>
+            </a:r>
+            <a:r>
+              <a:rPr lang="ko-KR" altLang="en-US" dirty="0"/>
+              <a:t>일 때 최소</a:t>
+            </a:r>
+            <a:r>
+              <a:rPr lang="en-US" altLang="ko-KR" dirty="0"/>
+              <a:t>)</a:t>
             </a:r>
             <a:endParaRPr lang="ko-KR" altLang="en-US" dirty="0"/>
           </a:p>
@@ -5349,7 +5284,7 @@
     </p:spTree>
     <p:extLst>
       <p:ext uri="{BB962C8B-B14F-4D97-AF65-F5344CB8AC3E}">
-        <p14:creationId xmlns:p14="http://schemas.microsoft.com/office/powerpoint/2010/main" val="2936988534"/>
+        <p14:creationId xmlns:p14="http://schemas.microsoft.com/office/powerpoint/2010/main" val="3819219904"/>
       </p:ext>
     </p:extLst>
   </p:cSld>
@@ -5438,12 +5373,45 @@
           <a:chExt cx="0" cy="0"/>
         </a:xfrm>
       </p:grpSpPr>
+      <p:sp>
+        <p:nvSpPr>
+          <p:cNvPr id="2" name="제목 1">
+            <a:extLst>
+              <a:ext uri="{FF2B5EF4-FFF2-40B4-BE49-F238E27FC236}">
+                <a16:creationId xmlns:a16="http://schemas.microsoft.com/office/drawing/2014/main" id="{A4E40B1F-887D-4568-A97E-FBA0FE06EA2C}"/>
+              </a:ext>
+            </a:extLst>
+          </p:cNvPr>
+          <p:cNvSpPr>
+            <a:spLocks noGrp="1"/>
+          </p:cNvSpPr>
+          <p:nvPr>
+            <p:ph type="title"/>
+          </p:nvPr>
+        </p:nvSpPr>
+        <p:spPr/>
+        <p:txBody>
+          <a:bodyPr/>
+          <a:lstStyle/>
+          <a:p>
+            <a:r>
+              <a:rPr lang="en-US" altLang="ko-KR" dirty="0" err="1"/>
+              <a:t>Pullaway</a:t>
+            </a:r>
+            <a:r>
+              <a:rPr lang="en-US" altLang="ko-KR" dirty="0"/>
+              <a:t> loss</a:t>
+            </a:r>
+            <a:endParaRPr lang="ko-KR" altLang="en-US" dirty="0"/>
+          </a:p>
+        </p:txBody>
+      </p:sp>
       <p:pic>
         <p:nvPicPr>
           <p:cNvPr id="4" name="내용 개체 틀 3">
             <a:extLst>
               <a:ext uri="{FF2B5EF4-FFF2-40B4-BE49-F238E27FC236}">
-                <a16:creationId xmlns:a16="http://schemas.microsoft.com/office/drawing/2014/main" id="{06CA1F12-8E91-4CA7-9FF8-FD24F8F54930}"/>
+                <a16:creationId xmlns:a16="http://schemas.microsoft.com/office/drawing/2014/main" id="{F4310921-697F-4196-8741-2FBF1BD5B846}"/>
               </a:ext>
             </a:extLst>
           </p:cNvPr>
@@ -5462,18 +5430,416 @@
         </p:blipFill>
         <p:spPr>
           <a:xfrm>
-            <a:off x="0" y="0"/>
-            <a:ext cx="12173526" cy="6705600"/>
+            <a:off x="838201" y="1509396"/>
+            <a:ext cx="5918200" cy="1791034"/>
           </a:xfrm>
           <a:prstGeom prst="rect">
             <a:avLst/>
           </a:prstGeom>
         </p:spPr>
       </p:pic>
+      <p:sp>
+        <p:nvSpPr>
+          <p:cNvPr id="5" name="TextBox 4">
+            <a:extLst>
+              <a:ext uri="{FF2B5EF4-FFF2-40B4-BE49-F238E27FC236}">
+                <a16:creationId xmlns:a16="http://schemas.microsoft.com/office/drawing/2014/main" id="{06FC746C-638C-4E21-B6BF-57195BCE108C}"/>
+              </a:ext>
+            </a:extLst>
+          </p:cNvPr>
+          <p:cNvSpPr txBox="1"/>
+          <p:nvPr/>
+        </p:nvSpPr>
+        <p:spPr>
+          <a:xfrm>
+            <a:off x="736600" y="3429000"/>
+            <a:ext cx="3340915" cy="369332"/>
+          </a:xfrm>
+          <a:prstGeom prst="rect">
+            <a:avLst/>
+          </a:prstGeom>
+          <a:noFill/>
+        </p:spPr>
+        <p:txBody>
+          <a:bodyPr wrap="none" rtlCol="0">
+            <a:spAutoFit/>
+          </a:bodyPr>
+          <a:lstStyle/>
+          <a:p>
+            <a:r>
+              <a:rPr lang="en-US" altLang="ko-KR" dirty="0"/>
+              <a:t>Collapse</a:t>
+            </a:r>
+            <a:r>
+              <a:rPr lang="ko-KR" altLang="en-US" dirty="0"/>
+              <a:t>를 막기위한 </a:t>
+            </a:r>
+            <a:r>
+              <a:rPr lang="en-US" altLang="ko-KR" dirty="0" err="1"/>
+              <a:t>reularizer</a:t>
+            </a:r>
+            <a:endParaRPr lang="ko-KR" altLang="en-US" dirty="0"/>
+          </a:p>
+        </p:txBody>
+      </p:sp>
+      <p:cxnSp>
+        <p:nvCxnSpPr>
+          <p:cNvPr id="7" name="직선 화살표 연결선 6">
+            <a:extLst>
+              <a:ext uri="{FF2B5EF4-FFF2-40B4-BE49-F238E27FC236}">
+                <a16:creationId xmlns:a16="http://schemas.microsoft.com/office/drawing/2014/main" id="{F8370A62-AD2E-4B2F-9284-1D2E5DE27D3D}"/>
+              </a:ext>
+            </a:extLst>
+          </p:cNvPr>
+          <p:cNvCxnSpPr>
+            <a:cxnSpLocks/>
+          </p:cNvCxnSpPr>
+          <p:nvPr/>
+        </p:nvCxnSpPr>
+        <p:spPr>
+          <a:xfrm flipV="1">
+            <a:off x="4958080" y="762001"/>
+            <a:ext cx="1696720" cy="747395"/>
+          </a:xfrm>
+          <a:prstGeom prst="straightConnector1">
+            <a:avLst/>
+          </a:prstGeom>
+          <a:ln>
+            <a:tailEnd type="triangle"/>
+          </a:ln>
+        </p:spPr>
+        <p:style>
+          <a:lnRef idx="1">
+            <a:schemeClr val="accent1"/>
+          </a:lnRef>
+          <a:fillRef idx="0">
+            <a:schemeClr val="accent1"/>
+          </a:fillRef>
+          <a:effectRef idx="0">
+            <a:schemeClr val="accent1"/>
+          </a:effectRef>
+          <a:fontRef idx="minor">
+            <a:schemeClr val="tx1"/>
+          </a:fontRef>
+        </p:style>
+      </p:cxnSp>
+      <p:sp>
+        <p:nvSpPr>
+          <p:cNvPr id="8" name="TextBox 7">
+            <a:extLst>
+              <a:ext uri="{FF2B5EF4-FFF2-40B4-BE49-F238E27FC236}">
+                <a16:creationId xmlns:a16="http://schemas.microsoft.com/office/drawing/2014/main" id="{06DAF2F7-AD31-45BA-A01C-AD06329C2D29}"/>
+              </a:ext>
+            </a:extLst>
+          </p:cNvPr>
+          <p:cNvSpPr txBox="1"/>
+          <p:nvPr/>
+        </p:nvSpPr>
+        <p:spPr>
+          <a:xfrm>
+            <a:off x="6756400" y="457200"/>
+            <a:ext cx="5487271" cy="369332"/>
+          </a:xfrm>
+          <a:prstGeom prst="rect">
+            <a:avLst/>
+          </a:prstGeom>
+          <a:noFill/>
+        </p:spPr>
+        <p:txBody>
+          <a:bodyPr wrap="none" rtlCol="0">
+            <a:spAutoFit/>
+          </a:bodyPr>
+          <a:lstStyle/>
+          <a:p>
+            <a:r>
+              <a:rPr lang="en-US" altLang="ko-KR" dirty="0"/>
+              <a:t>Net D</a:t>
+            </a:r>
+            <a:r>
+              <a:rPr lang="ko-KR" altLang="en-US" dirty="0"/>
+              <a:t>의 </a:t>
+            </a:r>
+            <a:r>
+              <a:rPr lang="en-US" altLang="ko-KR" dirty="0"/>
+              <a:t>encoded</a:t>
+            </a:r>
+            <a:r>
+              <a:rPr lang="ko-KR" altLang="en-US" dirty="0"/>
+              <a:t>가 </a:t>
+            </a:r>
+            <a:r>
+              <a:rPr lang="ko-KR" altLang="en-US" dirty="0" err="1"/>
+              <a:t>들어감</a:t>
+            </a:r>
+            <a:r>
+              <a:rPr lang="en-US" altLang="ko-KR" dirty="0"/>
+              <a:t>(</a:t>
+            </a:r>
+            <a:r>
+              <a:rPr lang="en-US" altLang="ko-KR" dirty="0" err="1"/>
+              <a:t>D_fake</a:t>
+            </a:r>
+            <a:r>
+              <a:rPr lang="en-US" altLang="ko-KR" dirty="0"/>
+              <a:t> == 0</a:t>
+            </a:r>
+            <a:r>
+              <a:rPr lang="ko-KR" altLang="en-US" dirty="0"/>
+              <a:t>에 가까움</a:t>
+            </a:r>
+            <a:r>
+              <a:rPr lang="en-US" altLang="ko-KR" dirty="0"/>
+              <a:t>)</a:t>
+            </a:r>
+            <a:endParaRPr lang="ko-KR" altLang="en-US" dirty="0"/>
+          </a:p>
+        </p:txBody>
+      </p:sp>
+      <p:pic>
+        <p:nvPicPr>
+          <p:cNvPr id="9" name="그림 8">
+            <a:extLst>
+              <a:ext uri="{FF2B5EF4-FFF2-40B4-BE49-F238E27FC236}">
+                <a16:creationId xmlns:a16="http://schemas.microsoft.com/office/drawing/2014/main" id="{79EBE826-7D76-4C80-8C7E-F20D2F41C32D}"/>
+              </a:ext>
+            </a:extLst>
+          </p:cNvPr>
+          <p:cNvPicPr>
+            <a:picLocks noChangeAspect="1"/>
+          </p:cNvPicPr>
+          <p:nvPr/>
+        </p:nvPicPr>
+        <p:blipFill>
+          <a:blip r:embed="rId3"/>
+          <a:stretch>
+            <a:fillRect/>
+          </a:stretch>
+        </p:blipFill>
+        <p:spPr>
+          <a:xfrm>
+            <a:off x="838200" y="3926902"/>
+            <a:ext cx="9772650" cy="1771650"/>
+          </a:xfrm>
+          <a:prstGeom prst="rect">
+            <a:avLst/>
+          </a:prstGeom>
+        </p:spPr>
+      </p:pic>
+      <p:sp>
+        <p:nvSpPr>
+          <p:cNvPr id="10" name="TextBox 9">
+            <a:extLst>
+              <a:ext uri="{FF2B5EF4-FFF2-40B4-BE49-F238E27FC236}">
+                <a16:creationId xmlns:a16="http://schemas.microsoft.com/office/drawing/2014/main" id="{41A9E3B6-89A1-431B-A55D-C24C567A4252}"/>
+              </a:ext>
+            </a:extLst>
+          </p:cNvPr>
+          <p:cNvSpPr txBox="1"/>
+          <p:nvPr/>
+        </p:nvSpPr>
+        <p:spPr>
+          <a:xfrm>
+            <a:off x="838200" y="5963920"/>
+            <a:ext cx="5110245" cy="369332"/>
+          </a:xfrm>
+          <a:prstGeom prst="rect">
+            <a:avLst/>
+          </a:prstGeom>
+          <a:noFill/>
+        </p:spPr>
+        <p:txBody>
+          <a:bodyPr wrap="none" rtlCol="0">
+            <a:spAutoFit/>
+          </a:bodyPr>
+          <a:lstStyle/>
+          <a:p>
+            <a:r>
+              <a:rPr lang="ko-KR" altLang="en-US" dirty="0" err="1"/>
+              <a:t>유클리디안</a:t>
+            </a:r>
+            <a:r>
+              <a:rPr lang="ko-KR" altLang="en-US" dirty="0"/>
+              <a:t> 거리의 </a:t>
+            </a:r>
+            <a:r>
+              <a:rPr lang="en-US" altLang="ko-KR" dirty="0"/>
+              <a:t>+ normalization + similarity</a:t>
+            </a:r>
+            <a:endParaRPr lang="ko-KR" altLang="en-US" dirty="0"/>
+          </a:p>
+        </p:txBody>
+      </p:sp>
+      <p:sp>
+        <p:nvSpPr>
+          <p:cNvPr id="12" name="TextBox 11">
+            <a:extLst>
+              <a:ext uri="{FF2B5EF4-FFF2-40B4-BE49-F238E27FC236}">
+                <a16:creationId xmlns:a16="http://schemas.microsoft.com/office/drawing/2014/main" id="{4DA2C108-94EB-41FE-A443-ECC41619C121}"/>
+              </a:ext>
+            </a:extLst>
+          </p:cNvPr>
+          <p:cNvSpPr txBox="1"/>
+          <p:nvPr/>
+        </p:nvSpPr>
+        <p:spPr>
+          <a:xfrm>
+            <a:off x="6756400" y="1047731"/>
+            <a:ext cx="5604419" cy="1477328"/>
+          </a:xfrm>
+          <a:prstGeom prst="rect">
+            <a:avLst/>
+          </a:prstGeom>
+          <a:noFill/>
+        </p:spPr>
+        <p:txBody>
+          <a:bodyPr wrap="none" rtlCol="0">
+            <a:spAutoFit/>
+          </a:bodyPr>
+          <a:lstStyle/>
+          <a:p>
+            <a:r>
+              <a:rPr lang="ko-KR" altLang="en-US" dirty="0" err="1"/>
+              <a:t>내생각</a:t>
+            </a:r>
+            <a:r>
+              <a:rPr lang="en-US" altLang="ko-KR" dirty="0"/>
+              <a:t>: PULLAWAY</a:t>
+            </a:r>
+            <a:r>
+              <a:rPr lang="ko-KR" altLang="en-US" dirty="0"/>
+              <a:t> </a:t>
+            </a:r>
+            <a:r>
+              <a:rPr lang="en-US" altLang="ko-KR" dirty="0"/>
+              <a:t>==</a:t>
+            </a:r>
+            <a:r>
+              <a:rPr lang="ko-KR" altLang="en-US" dirty="0"/>
+              <a:t> </a:t>
+            </a:r>
+            <a:r>
+              <a:rPr lang="en-US" altLang="ko-KR" dirty="0"/>
+              <a:t>1:</a:t>
+            </a:r>
+            <a:r>
+              <a:rPr lang="ko-KR" altLang="en-US" dirty="0"/>
+              <a:t> 은 </a:t>
+            </a:r>
+            <a:r>
+              <a:rPr lang="en-US" altLang="ko-KR" dirty="0" err="1"/>
+              <a:t>netD</a:t>
+            </a:r>
+            <a:r>
+              <a:rPr lang="ko-KR" altLang="en-US" dirty="0"/>
+              <a:t>가 가짜 이미지</a:t>
+            </a:r>
+            <a:endParaRPr lang="en-US" altLang="ko-KR" dirty="0"/>
+          </a:p>
+          <a:p>
+            <a:r>
+              <a:rPr lang="ko-KR" altLang="en-US" dirty="0" err="1"/>
+              <a:t>를</a:t>
+            </a:r>
+            <a:r>
+              <a:rPr lang="en-US" altLang="ko-KR" dirty="0"/>
+              <a:t> </a:t>
+            </a:r>
+            <a:r>
+              <a:rPr lang="ko-KR" altLang="en-US" dirty="0"/>
+              <a:t>진짜로 진짜 이미지를 가짜로 인식하는 경우를 의</a:t>
+            </a:r>
+            <a:endParaRPr lang="en-US" altLang="ko-KR" dirty="0"/>
+          </a:p>
+          <a:p>
+            <a:r>
+              <a:rPr lang="ko-KR" altLang="en-US" dirty="0"/>
+              <a:t>미 하는 듯</a:t>
+            </a:r>
+            <a:r>
+              <a:rPr lang="en-US" altLang="ko-KR" dirty="0"/>
+              <a:t>, </a:t>
+            </a:r>
+            <a:r>
+              <a:rPr lang="en-US" altLang="ko-KR" dirty="0" err="1"/>
+              <a:t>errG</a:t>
+            </a:r>
+            <a:r>
+              <a:rPr lang="ko-KR" altLang="en-US" dirty="0"/>
+              <a:t>를 높여주어 더 많이 </a:t>
+            </a:r>
+            <a:r>
+              <a:rPr lang="en-US" altLang="ko-KR" dirty="0"/>
+              <a:t>minimize</a:t>
+            </a:r>
+            <a:r>
+              <a:rPr lang="ko-KR" altLang="en-US" dirty="0"/>
+              <a:t>하게</a:t>
+            </a:r>
+            <a:endParaRPr lang="en-US" altLang="ko-KR" dirty="0"/>
+          </a:p>
+          <a:p>
+            <a:r>
+              <a:rPr lang="ko-KR" altLang="en-US" dirty="0" err="1"/>
+              <a:t>만듬</a:t>
+            </a:r>
+            <a:r>
+              <a:rPr lang="en-US" altLang="ko-KR" dirty="0"/>
+              <a:t>(0</a:t>
+            </a:r>
+            <a:r>
+              <a:rPr lang="ko-KR" altLang="en-US" dirty="0"/>
+              <a:t>에 가까운 </a:t>
+            </a:r>
+            <a:r>
+              <a:rPr lang="en-US" altLang="ko-KR" dirty="0" err="1"/>
+              <a:t>D_fake</a:t>
+            </a:r>
+            <a:r>
+              <a:rPr lang="ko-KR" altLang="en-US" dirty="0"/>
+              <a:t>에 </a:t>
+            </a:r>
+            <a:r>
+              <a:rPr lang="en-US" altLang="ko-KR" dirty="0"/>
+              <a:t>margin</a:t>
+            </a:r>
+            <a:r>
+              <a:rPr lang="ko-KR" altLang="en-US" dirty="0"/>
+              <a:t>을 주고 </a:t>
+            </a:r>
+            <a:r>
+              <a:rPr lang="en-US" altLang="ko-KR" dirty="0"/>
+              <a:t>0.1</a:t>
+            </a:r>
+            <a:r>
+              <a:rPr lang="ko-KR" altLang="en-US" dirty="0"/>
+              <a:t>을 곱해</a:t>
+            </a:r>
+            <a:endParaRPr lang="en-US" altLang="ko-KR" dirty="0"/>
+          </a:p>
+          <a:p>
+            <a:r>
+              <a:rPr lang="ko-KR" altLang="en-US" dirty="0"/>
+              <a:t>서</a:t>
+            </a:r>
+            <a:r>
+              <a:rPr lang="en-US" altLang="ko-KR" dirty="0"/>
+              <a:t> </a:t>
+            </a:r>
+            <a:r>
+              <a:rPr lang="ko-KR" altLang="en-US" dirty="0"/>
+              <a:t>사용</a:t>
+            </a:r>
+            <a:r>
+              <a:rPr lang="en-US" altLang="ko-KR" dirty="0"/>
+              <a:t>)</a:t>
+            </a:r>
+          </a:p>
+        </p:txBody>
+      </p:sp>
     </p:spTree>
     <p:extLst>
       <p:ext uri="{BB962C8B-B14F-4D97-AF65-F5344CB8AC3E}">
-        <p14:creationId xmlns:p14="http://schemas.microsoft.com/office/powerpoint/2010/main" val="1476099150"/>
+        <p14:creationId xmlns:p14="http://schemas.microsoft.com/office/powerpoint/2010/main" val="1098207621"/>
       </p:ext>
     </p:extLst>
   </p:cSld>
